--- a/0302정리.pptx
+++ b/0302정리.pptx
@@ -104,6 +104,11 @@
       </a:defRPr>
     </a:lvl9pPr>
   </p:defaultTextStyle>
+  <p:extLst>
+    <p:ext uri="{EFAFB233-063F-42B5-8137-9DF3F51BA10A}">
+      <p15:sldGuideLst xmlns:p15="http://schemas.microsoft.com/office/powerpoint/2012/main"/>
+    </p:ext>
+  </p:extLst>
 </p:presentation>
 </file>
 
@@ -2972,7 +2977,7 @@
         </p:nvSpPr>
         <p:spPr>
           <a:xfrm>
-            <a:off x="7573992" y="603849"/>
+            <a:off x="851639" y="690113"/>
             <a:ext cx="3209020" cy="1354217"/>
           </a:xfrm>
           <a:prstGeom prst="rect">
@@ -2987,8 +2992,16 @@
           <a:lstStyle/>
           <a:p>
             <a:r>
+              <a:rPr lang="en-US" altLang="ko-KR" dirty="0" smtClean="0"/>
+              <a:t>&lt;</a:t>
+            </a:r>
+            <a:r>
               <a:rPr lang="ko-KR" altLang="en-US" dirty="0" smtClean="0"/>
-              <a:t>맨 처음 </a:t>
+              <a:t>맨 </a:t>
+            </a:r>
+            <a:r>
+              <a:rPr lang="ko-KR" altLang="en-US" dirty="0" smtClean="0"/>
+              <a:t>처음 </a:t>
             </a:r>
             <a:r>
               <a:rPr lang="en-US" altLang="ko-KR" dirty="0" err="1" smtClean="0"/>
@@ -3002,6 +3015,10 @@
               <a:rPr lang="ko-KR" altLang="en-US" dirty="0" smtClean="0"/>
               <a:t>환경설정</a:t>
             </a:r>
+            <a:r>
+              <a:rPr lang="en-US" altLang="ko-KR" dirty="0" smtClean="0"/>
+              <a:t>&gt;</a:t>
+            </a:r>
             <a:endParaRPr lang="en-US" altLang="ko-KR" dirty="0" smtClean="0"/>
           </a:p>
           <a:p>
@@ -3076,6 +3093,158 @@
               <a:rPr lang="en-US" altLang="ko-KR" sz="1600" dirty="0" smtClean="0"/>
               <a:t> remote add origin “”</a:t>
             </a:r>
+          </a:p>
+        </p:txBody>
+      </p:sp>
+      <p:sp>
+        <p:nvSpPr>
+          <p:cNvPr id="2" name="TextBox 1"/>
+          <p:cNvSpPr txBox="1"/>
+          <p:nvPr/>
+        </p:nvSpPr>
+        <p:spPr>
+          <a:xfrm>
+            <a:off x="851639" y="2639683"/>
+            <a:ext cx="5947462" cy="2031325"/>
+          </a:xfrm>
+          <a:prstGeom prst="rect">
+            <a:avLst/>
+          </a:prstGeom>
+          <a:noFill/>
+        </p:spPr>
+        <p:txBody>
+          <a:bodyPr wrap="none" rtlCol="0">
+            <a:spAutoFit/>
+          </a:bodyPr>
+          <a:lstStyle/>
+          <a:p>
+            <a:r>
+              <a:rPr lang="en-US" altLang="ko-KR" dirty="0" smtClean="0"/>
+              <a:t>&lt;</a:t>
+            </a:r>
+            <a:r>
+              <a:rPr lang="en-US" altLang="ko-KR" dirty="0" err="1" smtClean="0"/>
+              <a:t>Git</a:t>
+            </a:r>
+            <a:r>
+              <a:rPr lang="en-US" altLang="ko-KR" dirty="0" smtClean="0"/>
+              <a:t> </a:t>
+            </a:r>
+            <a:r>
+              <a:rPr lang="en-US" altLang="ko-KR" dirty="0" err="1" smtClean="0"/>
+              <a:t>pull~push</a:t>
+            </a:r>
+            <a:r>
+              <a:rPr lang="en-US" altLang="ko-KR" dirty="0"/>
+              <a:t>&gt;</a:t>
+            </a:r>
+            <a:endParaRPr lang="en-US" altLang="ko-KR" dirty="0" smtClean="0"/>
+          </a:p>
+          <a:p>
+            <a:r>
+              <a:rPr lang="en-US" altLang="ko-KR" dirty="0" err="1" smtClean="0"/>
+              <a:t>git</a:t>
+            </a:r>
+            <a:r>
+              <a:rPr lang="en-US" altLang="ko-KR" dirty="0" smtClean="0"/>
+              <a:t> pull origin master    (</a:t>
+            </a:r>
+            <a:r>
+              <a:rPr lang="ko-KR" altLang="en-US" dirty="0" err="1" smtClean="0"/>
+              <a:t>깃허브에서</a:t>
+            </a:r>
+            <a:r>
+              <a:rPr lang="ko-KR" altLang="en-US" dirty="0" smtClean="0"/>
+              <a:t> 가져오기</a:t>
+            </a:r>
+            <a:r>
+              <a:rPr lang="en-US" altLang="ko-KR" dirty="0" smtClean="0"/>
+              <a:t>)</a:t>
+            </a:r>
+          </a:p>
+          <a:p>
+            <a:r>
+              <a:rPr lang="en-US" altLang="ko-KR" dirty="0" err="1" smtClean="0"/>
+              <a:t>git</a:t>
+            </a:r>
+            <a:r>
+              <a:rPr lang="en-US" altLang="ko-KR" dirty="0" smtClean="0"/>
+              <a:t> add .                    (</a:t>
+            </a:r>
+            <a:r>
+              <a:rPr lang="ko-KR" altLang="en-US" dirty="0" smtClean="0"/>
+              <a:t>변경사항을 모두 후보에 등록</a:t>
+            </a:r>
+            <a:r>
+              <a:rPr lang="en-US" altLang="ko-KR" dirty="0" smtClean="0"/>
+              <a:t>)</a:t>
+            </a:r>
+          </a:p>
+          <a:p>
+            <a:r>
+              <a:rPr lang="en-US" altLang="ko-KR" dirty="0" err="1" smtClean="0"/>
+              <a:t>git</a:t>
+            </a:r>
+            <a:r>
+              <a:rPr lang="en-US" altLang="ko-KR" dirty="0" smtClean="0"/>
+              <a:t> commit –m “</a:t>
+            </a:r>
+            <a:r>
+              <a:rPr lang="ko-KR" altLang="en-US" dirty="0" smtClean="0"/>
+              <a:t>메모</a:t>
+            </a:r>
+            <a:r>
+              <a:rPr lang="en-US" altLang="ko-KR" dirty="0" smtClean="0"/>
+              <a:t>”    (</a:t>
+            </a:r>
+            <a:r>
+              <a:rPr lang="ko-KR" altLang="en-US" dirty="0" smtClean="0"/>
+              <a:t>후보를 </a:t>
+            </a:r>
+            <a:r>
+              <a:rPr lang="en-US" altLang="ko-KR" dirty="0" smtClean="0"/>
+              <a:t>.</a:t>
+            </a:r>
+            <a:r>
+              <a:rPr lang="en-US" altLang="ko-KR" dirty="0" err="1" smtClean="0"/>
+              <a:t>git</a:t>
+            </a:r>
+            <a:r>
+              <a:rPr lang="ko-KR" altLang="en-US" dirty="0" smtClean="0"/>
+              <a:t>폴더에 저장</a:t>
+            </a:r>
+            <a:r>
+              <a:rPr lang="en-US" altLang="ko-KR" dirty="0" smtClean="0"/>
+              <a:t>)</a:t>
+            </a:r>
+          </a:p>
+          <a:p>
+            <a:r>
+              <a:rPr lang="en-US" altLang="ko-KR" dirty="0" err="1" smtClean="0"/>
+              <a:t>git</a:t>
+            </a:r>
+            <a:r>
+              <a:rPr lang="en-US" altLang="ko-KR" dirty="0" smtClean="0"/>
+              <a:t> push origin master   (.</a:t>
+            </a:r>
+            <a:r>
+              <a:rPr lang="en-US" altLang="ko-KR" dirty="0" err="1" smtClean="0"/>
+              <a:t>git</a:t>
+            </a:r>
+            <a:r>
+              <a:rPr lang="ko-KR" altLang="en-US" dirty="0" smtClean="0"/>
+              <a:t>내용을 업로드</a:t>
+            </a:r>
+            <a:r>
+              <a:rPr lang="en-US" altLang="ko-KR" dirty="0" smtClean="0"/>
+              <a:t>)</a:t>
+            </a:r>
+          </a:p>
+          <a:p>
+            <a:endParaRPr lang="en-US" altLang="ko-KR" dirty="0" smtClean="0"/>
+          </a:p>
+          <a:p>
+            <a:endParaRPr lang="ko-KR" altLang="en-US" dirty="0"/>
           </a:p>
         </p:txBody>
       </p:sp>
